--- a/Global-Italy3 (1).pptx
+++ b/Global-Italy3 (1).pptx
@@ -4914,8 +4914,8 @@
         </p:nvSpPr>
         <p:spPr>
           <a:xfrm>
-            <a:off x="171450" y="357188"/>
-            <a:ext cx="7896225" cy="4708981"/>
+            <a:off x="171451" y="357188"/>
+            <a:ext cx="8457160" cy="461665"/>
           </a:xfrm>
           <a:prstGeom prst="rect">
             <a:avLst/>
@@ -4932,13 +4932,71 @@
                 <a:solidFill>
                   <a:schemeClr val="bg1"/>
                 </a:solidFill>
-                <a:latin typeface="+mj-lt"/>
-                <a:cs typeface="Times New Roman" panose="02020603050405020304" pitchFamily="18" charset="0"/>
-              </a:rPr>
-              <a:t>Contractual Manufacturing</a:t>
-            </a:r>
-          </a:p>
-          <a:p>
+                <a:latin typeface="Times New Roman" panose="02020603050405020304" pitchFamily="18" charset="0"/>
+                <a:cs typeface="Times New Roman" panose="02020603050405020304" pitchFamily="18" charset="0"/>
+              </a:rPr>
+              <a:t>Contractual </a:t>
+            </a:r>
+            <a:r>
+              <a:rPr lang="en-IN" sz="2400" dirty="0" smtClean="0">
+                <a:solidFill>
+                  <a:schemeClr val="bg1"/>
+                </a:solidFill>
+                <a:latin typeface="Times New Roman" panose="02020603050405020304" pitchFamily="18" charset="0"/>
+                <a:cs typeface="Times New Roman" panose="02020603050405020304" pitchFamily="18" charset="0"/>
+              </a:rPr>
+              <a:t>Manufacturing: </a:t>
+            </a:r>
+            <a:r>
+              <a:rPr lang="en-IN" dirty="0" smtClean="0">
+                <a:solidFill>
+                  <a:schemeClr val="bg1"/>
+                </a:solidFill>
+                <a:latin typeface="Times New Roman" panose="02020603050405020304" pitchFamily="18" charset="0"/>
+                <a:cs typeface="Times New Roman" panose="02020603050405020304" pitchFamily="18" charset="0"/>
+              </a:rPr>
+              <a:t>Joint venture of </a:t>
+            </a:r>
+            <a:r>
+              <a:rPr lang="en-IN" dirty="0" err="1" smtClean="0">
+                <a:solidFill>
+                  <a:schemeClr val="bg1"/>
+                </a:solidFill>
+                <a:latin typeface="Times New Roman" panose="02020603050405020304" pitchFamily="18" charset="0"/>
+                <a:cs typeface="Times New Roman" panose="02020603050405020304" pitchFamily="18" charset="0"/>
+              </a:rPr>
+              <a:t>Gucchi</a:t>
+            </a:r>
+            <a:r>
+              <a:rPr lang="en-IN" dirty="0" smtClean="0">
+                <a:solidFill>
+                  <a:schemeClr val="bg1"/>
+                </a:solidFill>
+                <a:latin typeface="Times New Roman" panose="02020603050405020304" pitchFamily="18" charset="0"/>
+                <a:cs typeface="Times New Roman" panose="02020603050405020304" pitchFamily="18" charset="0"/>
+              </a:rPr>
+              <a:t> with </a:t>
+            </a:r>
+            <a:r>
+              <a:rPr lang="en-IN" dirty="0" err="1" smtClean="0">
+                <a:solidFill>
+                  <a:schemeClr val="bg1"/>
+                </a:solidFill>
+                <a:latin typeface="Times New Roman" panose="02020603050405020304" pitchFamily="18" charset="0"/>
+                <a:cs typeface="Times New Roman" panose="02020603050405020304" pitchFamily="18" charset="0"/>
+              </a:rPr>
+              <a:t>Murjani</a:t>
+            </a:r>
+            <a:r>
+              <a:rPr lang="en-IN" dirty="0" smtClean="0">
+                <a:solidFill>
+                  <a:schemeClr val="bg1"/>
+                </a:solidFill>
+                <a:latin typeface="Times New Roman" panose="02020603050405020304" pitchFamily="18" charset="0"/>
+                <a:cs typeface="Times New Roman" panose="02020603050405020304" pitchFamily="18" charset="0"/>
+              </a:rPr>
+              <a:t> Group</a:t>
+            </a:r>
             <a:endParaRPr lang="en-IN" sz="2400" dirty="0">
               <a:solidFill>
                 <a:schemeClr val="bg1"/>
@@ -4947,39 +5005,117 @@
               <a:cs typeface="Times New Roman" panose="02020603050405020304" pitchFamily="18" charset="0"/>
             </a:endParaRPr>
           </a:p>
-          <a:p>
-            <a:r>
-              <a:rPr lang="en-IN" dirty="0">
-                <a:solidFill>
-                  <a:schemeClr val="bg1"/>
-                </a:solidFill>
-                <a:latin typeface="Times New Roman" panose="02020603050405020304" pitchFamily="18" charset="0"/>
-                <a:cs typeface="Times New Roman" panose="02020603050405020304" pitchFamily="18" charset="0"/>
-              </a:rPr>
-              <a:t>Italian fashion brands are well known in the world.</a:t>
-            </a:r>
-          </a:p>
-          <a:p>
-            <a:r>
-              <a:rPr lang="en-IN" dirty="0">
-                <a:solidFill>
-                  <a:schemeClr val="bg1"/>
-                </a:solidFill>
-                <a:latin typeface="Times New Roman" panose="02020603050405020304" pitchFamily="18" charset="0"/>
-                <a:cs typeface="Times New Roman" panose="02020603050405020304" pitchFamily="18" charset="0"/>
-              </a:rPr>
-              <a:t>Brands like Valentino, Gucci, Armani, Prada, FILA, Diesel are some of the top selling brand in developing countries with huge possibilities of contract manufacturing in developing countries.</a:t>
-            </a:r>
-          </a:p>
-          <a:p>
-            <a:endParaRPr lang="en-IN" sz="2400" dirty="0">
-              <a:solidFill>
-                <a:schemeClr val="bg1"/>
-              </a:solidFill>
-              <a:latin typeface="Times New Roman" panose="02020603050405020304" pitchFamily="18" charset="0"/>
-              <a:cs typeface="Times New Roman" panose="02020603050405020304" pitchFamily="18" charset="0"/>
-            </a:endParaRPr>
-          </a:p>
+        </p:txBody>
+      </p:sp>
+      <p:pic>
+        <p:nvPicPr>
+          <p:cNvPr id="2" name="Picture 1"/>
+          <p:cNvPicPr>
+            <a:picLocks noChangeAspect="1"/>
+          </p:cNvPicPr>
+          <p:nvPr/>
+        </p:nvPicPr>
+        <p:blipFill>
+          <a:blip r:embed="rId3"/>
+          <a:stretch>
+            <a:fillRect/>
+          </a:stretch>
+        </p:blipFill>
+        <p:spPr>
+          <a:xfrm>
+            <a:off x="6032790" y="4785300"/>
+            <a:ext cx="1428750" cy="1028700"/>
+          </a:xfrm>
+          <a:prstGeom prst="rect">
+            <a:avLst/>
+          </a:prstGeom>
+        </p:spPr>
+      </p:pic>
+      <p:pic>
+        <p:nvPicPr>
+          <p:cNvPr id="3" name="Picture 2"/>
+          <p:cNvPicPr>
+            <a:picLocks noChangeAspect="1"/>
+          </p:cNvPicPr>
+          <p:nvPr/>
+        </p:nvPicPr>
+        <p:blipFill>
+          <a:blip r:embed="rId4"/>
+          <a:stretch>
+            <a:fillRect/>
+          </a:stretch>
+        </p:blipFill>
+        <p:spPr>
+          <a:xfrm>
+            <a:off x="7914585" y="2614928"/>
+            <a:ext cx="4277411" cy="3199072"/>
+          </a:xfrm>
+          <a:prstGeom prst="rect">
+            <a:avLst/>
+          </a:prstGeom>
+        </p:spPr>
+      </p:pic>
+      <p:pic>
+        <p:nvPicPr>
+          <p:cNvPr id="1026" name="Picture 2" descr="Image result for gucci statistics"/>
+          <p:cNvPicPr>
+            <a:picLocks noChangeAspect="1" noChangeArrowheads="1"/>
+          </p:cNvPicPr>
+          <p:nvPr/>
+        </p:nvPicPr>
+        <p:blipFill>
+          <a:blip r:embed="rId5">
+            <a:extLst>
+              <a:ext uri="{28A0092B-C50C-407E-A947-70E740481C1C}">
+                <a14:useLocalDpi xmlns:a14="http://schemas.microsoft.com/office/drawing/2010/main" val="0"/>
+              </a:ext>
+            </a:extLst>
+          </a:blip>
+          <a:srcRect/>
+          <a:stretch>
+            <a:fillRect/>
+          </a:stretch>
+        </p:blipFill>
+        <p:spPr bwMode="auto">
+          <a:xfrm>
+            <a:off x="0" y="3108900"/>
+            <a:ext cx="5715000" cy="2705100"/>
+          </a:xfrm>
+          <a:prstGeom prst="rect">
+            <a:avLst/>
+          </a:prstGeom>
+          <a:noFill/>
+          <a:extLst>
+            <a:ext uri="{909E8E84-426E-40DD-AFC4-6F175D3DCCD1}">
+              <a14:hiddenFill xmlns:a14="http://schemas.microsoft.com/office/drawing/2010/main">
+                <a:solidFill>
+                  <a:srgbClr val="FFFFFF"/>
+                </a:solidFill>
+              </a14:hiddenFill>
+            </a:ext>
+          </a:extLst>
+        </p:spPr>
+      </p:pic>
+      <p:sp>
+        <p:nvSpPr>
+          <p:cNvPr id="4" name="Rectangle 3"/>
+          <p:cNvSpPr/>
+          <p:nvPr/>
+        </p:nvSpPr>
+        <p:spPr>
+          <a:xfrm>
+            <a:off x="6168045" y="1117713"/>
+            <a:ext cx="6096000" cy="1754326"/>
+          </a:xfrm>
+          <a:prstGeom prst="rect">
+            <a:avLst/>
+          </a:prstGeom>
+        </p:spPr>
+        <p:txBody>
+          <a:bodyPr>
+            <a:spAutoFit/>
+          </a:bodyPr>
+          <a:lstStyle/>
           <a:p>
             <a:r>
               <a:rPr lang="en-US" dirty="0">
@@ -4989,7 +5125,27 @@
                 <a:latin typeface="Times New Roman" panose="02020603050405020304" pitchFamily="18" charset="0"/>
                 <a:cs typeface="Times New Roman" panose="02020603050405020304" pitchFamily="18" charset="0"/>
               </a:rPr>
-              <a:t>Gucci Group N.V is a multi-brand luxury goods company which has a market capitalization of $14.37 billion. Gucci entered into the Indian market through a joint venture with the </a:t>
+              <a:t>Gucci Group N.V is a multi-brand luxury goods company which has a market capitalization of $14.37 billion. Gucci entered into the Indian market through a </a:t>
+            </a:r>
+            <a:r>
+              <a:rPr lang="en-US" dirty="0" smtClean="0">
+                <a:solidFill>
+                  <a:schemeClr val="bg1"/>
+                </a:solidFill>
+                <a:latin typeface="Times New Roman" panose="02020603050405020304" pitchFamily="18" charset="0"/>
+                <a:cs typeface="Times New Roman" panose="02020603050405020304" pitchFamily="18" charset="0"/>
+              </a:rPr>
+              <a:t>Joint Venture </a:t>
+            </a:r>
+            <a:r>
+              <a:rPr lang="en-US" dirty="0">
+                <a:solidFill>
+                  <a:schemeClr val="bg1"/>
+                </a:solidFill>
+                <a:latin typeface="Times New Roman" panose="02020603050405020304" pitchFamily="18" charset="0"/>
+                <a:cs typeface="Times New Roman" panose="02020603050405020304" pitchFamily="18" charset="0"/>
+              </a:rPr>
+              <a:t>with the </a:t>
             </a:r>
             <a:r>
               <a:rPr lang="en-US" dirty="0" err="1">
@@ -5037,8 +5193,30 @@
               <a:cs typeface="Times New Roman" panose="02020603050405020304" pitchFamily="18" charset="0"/>
             </a:endParaRPr>
           </a:p>
-          <a:p>
-            <a:endParaRPr lang="en-IN" sz="2400" dirty="0">
+        </p:txBody>
+      </p:sp>
+      <p:sp>
+        <p:nvSpPr>
+          <p:cNvPr id="6" name="Rectangle 5"/>
+          <p:cNvSpPr/>
+          <p:nvPr/>
+        </p:nvSpPr>
+        <p:spPr>
+          <a:xfrm>
+            <a:off x="113262" y="840224"/>
+            <a:ext cx="5273385" cy="1754326"/>
+          </a:xfrm>
+          <a:prstGeom prst="rect">
+            <a:avLst/>
+          </a:prstGeom>
+        </p:spPr>
+        <p:txBody>
+          <a:bodyPr wrap="square">
+            <a:spAutoFit/>
+          </a:bodyPr>
+          <a:lstStyle/>
+          <a:p>
+            <a:endParaRPr lang="en-IN" dirty="0">
               <a:solidFill>
                 <a:schemeClr val="bg1"/>
               </a:solidFill>
@@ -5047,7 +5225,29 @@
             </a:endParaRPr>
           </a:p>
           <a:p>
-            <a:endParaRPr lang="en-IN" sz="2400" dirty="0">
+            <a:r>
+              <a:rPr lang="en-IN" dirty="0">
+                <a:solidFill>
+                  <a:schemeClr val="bg1"/>
+                </a:solidFill>
+                <a:latin typeface="Times New Roman" panose="02020603050405020304" pitchFamily="18" charset="0"/>
+                <a:cs typeface="Times New Roman" panose="02020603050405020304" pitchFamily="18" charset="0"/>
+              </a:rPr>
+              <a:t>Italian fashion brands are well known in the world.</a:t>
+            </a:r>
+          </a:p>
+          <a:p>
+            <a:r>
+              <a:rPr lang="en-IN" dirty="0">
+                <a:solidFill>
+                  <a:schemeClr val="bg1"/>
+                </a:solidFill>
+                <a:latin typeface="Times New Roman" panose="02020603050405020304" pitchFamily="18" charset="0"/>
+                <a:cs typeface="Times New Roman" panose="02020603050405020304" pitchFamily="18" charset="0"/>
+              </a:rPr>
+              <a:t>Brands like Valentino, Gucci, Armani, Prada, FILA, Diesel are some of the top selling brand in developing countries with huge possibilities of contract manufacturing in developing countries.</a:t>
+            </a:r>
+            <a:endParaRPr lang="en-IN" dirty="0">
               <a:solidFill>
                 <a:schemeClr val="bg1"/>
               </a:solidFill>
@@ -5124,7 +5324,7 @@
         </p:nvSpPr>
         <p:spPr>
           <a:xfrm>
-            <a:off x="645622" y="1152759"/>
+            <a:off x="229985" y="471116"/>
             <a:ext cx="6096000" cy="3139321"/>
           </a:xfrm>
           <a:prstGeom prst="rect">
@@ -5211,14 +5411,50 @@
               </a:rPr>
               <a:t> Ltd. Even today the Tata Fiat JV plant operates under the FIAL name, as an independent entity and it produces Fiat &amp; Tata brand cars for FCAIPL (Fiat India NSC) &amp; Tata Motors respectively.</a:t>
             </a:r>
-            <a:endParaRPr lang="en-US" dirty="0">
-              <a:solidFill>
-                <a:schemeClr val="bg1"/>
-              </a:solidFill>
-            </a:endParaRPr>
-          </a:p>
-        </p:txBody>
-      </p:sp>
+          </a:p>
+        </p:txBody>
+      </p:sp>
+      <p:pic>
+        <p:nvPicPr>
+          <p:cNvPr id="2050" name="Picture 2" descr="Image result for fiat statistics"/>
+          <p:cNvPicPr>
+            <a:picLocks noChangeAspect="1" noChangeArrowheads="1"/>
+          </p:cNvPicPr>
+          <p:nvPr/>
+        </p:nvPicPr>
+        <p:blipFill>
+          <a:blip r:embed="rId3">
+            <a:extLst>
+              <a:ext uri="{28A0092B-C50C-407E-A947-70E740481C1C}">
+                <a14:useLocalDpi xmlns:a14="http://schemas.microsoft.com/office/drawing/2010/main" val="0"/>
+              </a:ext>
+            </a:extLst>
+          </a:blip>
+          <a:srcRect/>
+          <a:stretch>
+            <a:fillRect/>
+          </a:stretch>
+        </p:blipFill>
+        <p:spPr bwMode="auto">
+          <a:xfrm>
+            <a:off x="6636589" y="872606"/>
+            <a:ext cx="5082336" cy="2859810"/>
+          </a:xfrm>
+          <a:prstGeom prst="rect">
+            <a:avLst/>
+          </a:prstGeom>
+          <a:noFill/>
+          <a:extLst>
+            <a:ext uri="{909E8E84-426E-40DD-AFC4-6F175D3DCCD1}">
+              <a14:hiddenFill xmlns:a14="http://schemas.microsoft.com/office/drawing/2010/main">
+                <a:solidFill>
+                  <a:srgbClr val="FFFFFF"/>
+                </a:solidFill>
+              </a14:hiddenFill>
+            </a:ext>
+          </a:extLst>
+        </p:spPr>
+      </p:pic>
     </p:spTree>
     <p:extLst>
       <p:ext uri="{BB962C8B-B14F-4D97-AF65-F5344CB8AC3E}">
